--- a/docs/diagrams/UiComponentClassDiagram.pptx
+++ b/docs/diagrams/UiComponentClassDiagram.pptx
@@ -208,7 +208,7 @@
           <a:p>
             <a:fld id="{F5CC4B3F-88C1-4FFA-B1B6-F41C21DC6924}" type="datetimeFigureOut">
               <a:rPr lang="en-US" smtClean="0"/>
-              <a:t>12/15/2018</a:t>
+              <a:t>3/31/2019</a:t>
             </a:fld>
             <a:endParaRPr lang="en-US"/>
           </a:p>
@@ -654,7 +654,7 @@
           <a:p>
             <a:fld id="{78C97017-6FC3-485B-9764-EAC9E56C1D49}" type="datetimeFigureOut">
               <a:rPr lang="en-US" smtClean="0"/>
-              <a:t>12/15/2018</a:t>
+              <a:t>3/31/2019</a:t>
             </a:fld>
             <a:endParaRPr lang="en-US"/>
           </a:p>
@@ -822,7 +822,7 @@
           <a:p>
             <a:fld id="{78C97017-6FC3-485B-9764-EAC9E56C1D49}" type="datetimeFigureOut">
               <a:rPr lang="en-US" smtClean="0"/>
-              <a:t>12/15/2018</a:t>
+              <a:t>3/31/2019</a:t>
             </a:fld>
             <a:endParaRPr lang="en-US"/>
           </a:p>
@@ -1000,7 +1000,7 @@
           <a:p>
             <a:fld id="{78C97017-6FC3-485B-9764-EAC9E56C1D49}" type="datetimeFigureOut">
               <a:rPr lang="en-US" smtClean="0"/>
-              <a:t>12/15/2018</a:t>
+              <a:t>3/31/2019</a:t>
             </a:fld>
             <a:endParaRPr lang="en-US"/>
           </a:p>
@@ -1168,7 +1168,7 @@
           <a:p>
             <a:fld id="{78C97017-6FC3-485B-9764-EAC9E56C1D49}" type="datetimeFigureOut">
               <a:rPr lang="en-US" smtClean="0"/>
-              <a:t>12/15/2018</a:t>
+              <a:t>3/31/2019</a:t>
             </a:fld>
             <a:endParaRPr lang="en-US"/>
           </a:p>
@@ -1413,7 +1413,7 @@
           <a:p>
             <a:fld id="{78C97017-6FC3-485B-9764-EAC9E56C1D49}" type="datetimeFigureOut">
               <a:rPr lang="en-US" smtClean="0"/>
-              <a:t>12/15/2018</a:t>
+              <a:t>3/31/2019</a:t>
             </a:fld>
             <a:endParaRPr lang="en-US"/>
           </a:p>
@@ -1698,7 +1698,7 @@
           <a:p>
             <a:fld id="{78C97017-6FC3-485B-9764-EAC9E56C1D49}" type="datetimeFigureOut">
               <a:rPr lang="en-US" smtClean="0"/>
-              <a:t>12/15/2018</a:t>
+              <a:t>3/31/2019</a:t>
             </a:fld>
             <a:endParaRPr lang="en-US"/>
           </a:p>
@@ -2117,7 +2117,7 @@
           <a:p>
             <a:fld id="{78C97017-6FC3-485B-9764-EAC9E56C1D49}" type="datetimeFigureOut">
               <a:rPr lang="en-US" smtClean="0"/>
-              <a:t>12/15/2018</a:t>
+              <a:t>3/31/2019</a:t>
             </a:fld>
             <a:endParaRPr lang="en-US"/>
           </a:p>
@@ -2234,7 +2234,7 @@
           <a:p>
             <a:fld id="{78C97017-6FC3-485B-9764-EAC9E56C1D49}" type="datetimeFigureOut">
               <a:rPr lang="en-US" smtClean="0"/>
-              <a:t>12/15/2018</a:t>
+              <a:t>3/31/2019</a:t>
             </a:fld>
             <a:endParaRPr lang="en-US"/>
           </a:p>
@@ -2329,7 +2329,7 @@
           <a:p>
             <a:fld id="{78C97017-6FC3-485B-9764-EAC9E56C1D49}" type="datetimeFigureOut">
               <a:rPr lang="en-US" smtClean="0"/>
-              <a:t>12/15/2018</a:t>
+              <a:t>3/31/2019</a:t>
             </a:fld>
             <a:endParaRPr lang="en-US"/>
           </a:p>
@@ -2604,7 +2604,7 @@
           <a:p>
             <a:fld id="{78C97017-6FC3-485B-9764-EAC9E56C1D49}" type="datetimeFigureOut">
               <a:rPr lang="en-US" smtClean="0"/>
-              <a:t>12/15/2018</a:t>
+              <a:t>3/31/2019</a:t>
             </a:fld>
             <a:endParaRPr lang="en-US"/>
           </a:p>
@@ -2856,7 +2856,7 @@
           <a:p>
             <a:fld id="{78C97017-6FC3-485B-9764-EAC9E56C1D49}" type="datetimeFigureOut">
               <a:rPr lang="en-US" smtClean="0"/>
-              <a:t>12/15/2018</a:t>
+              <a:t>3/31/2019</a:t>
             </a:fld>
             <a:endParaRPr lang="en-US"/>
           </a:p>
@@ -3067,7 +3067,7 @@
           <a:p>
             <a:fld id="{78C97017-6FC3-485B-9764-EAC9E56C1D49}" type="datetimeFigureOut">
               <a:rPr lang="en-US" smtClean="0"/>
-              <a:t>12/15/2018</a:t>
+              <a:t>3/31/2019</a:t>
             </a:fld>
             <a:endParaRPr lang="en-US"/>
           </a:p>
@@ -3450,8 +3450,8 @@
         </p:nvSpPr>
         <p:spPr>
           <a:xfrm>
-            <a:off x="1217465" y="1447800"/>
-            <a:ext cx="4917083" cy="3962400"/>
+            <a:off x="838201" y="130520"/>
+            <a:ext cx="6686672" cy="6575080"/>
           </a:xfrm>
           <a:prstGeom prst="roundRect">
             <a:avLst>
@@ -3512,7 +3512,7 @@
         </p:nvSpPr>
         <p:spPr>
           <a:xfrm>
-            <a:off x="2095948" y="2341220"/>
+            <a:off x="2095948" y="1045820"/>
             <a:ext cx="1093635" cy="346760"/>
           </a:xfrm>
           <a:prstGeom prst="rect">
@@ -3572,7 +3572,7 @@
         </p:nvSpPr>
         <p:spPr>
           <a:xfrm>
-            <a:off x="2592528" y="2971800"/>
+            <a:off x="2592528" y="1676400"/>
             <a:ext cx="1093635" cy="236841"/>
           </a:xfrm>
           <a:prstGeom prst="rect">
@@ -3632,7 +3632,7 @@
         </p:nvSpPr>
         <p:spPr>
           <a:xfrm>
-            <a:off x="2092842" y="1770924"/>
+            <a:off x="2092842" y="475524"/>
             <a:ext cx="1093635" cy="346760"/>
           </a:xfrm>
           <a:prstGeom prst="rect">
@@ -3694,7 +3694,7 @@
         </p:nvCxnSpPr>
         <p:spPr>
           <a:xfrm rot="16200000" flipH="1">
-            <a:off x="2529445" y="2227899"/>
+            <a:off x="2529445" y="932499"/>
             <a:ext cx="223536" cy="3106"/>
           </a:xfrm>
           <a:prstGeom prst="bentConnector3">
@@ -3734,7 +3734,7 @@
         </p:nvSpPr>
         <p:spPr>
           <a:xfrm rot="10800000" flipV="1">
-            <a:off x="5394717" y="2110477"/>
+            <a:off x="6870126" y="815077"/>
             <a:ext cx="270504" cy="175523"/>
           </a:xfrm>
           <a:prstGeom prst="triangle">
@@ -3782,7 +3782,7 @@
         </p:nvCxnSpPr>
         <p:spPr>
           <a:xfrm flipV="1">
-            <a:off x="644735" y="2991937"/>
+            <a:off x="644735" y="1696537"/>
             <a:ext cx="684904" cy="1"/>
           </a:xfrm>
           <a:prstGeom prst="bentConnector3">
@@ -3825,8 +3825,8 @@
         </p:nvSpPr>
         <p:spPr>
           <a:xfrm rot="16200000">
-            <a:off x="5703829" y="2464877"/>
-            <a:ext cx="2362201" cy="328045"/>
+            <a:off x="6721587" y="1089155"/>
+            <a:ext cx="2201561" cy="328045"/>
           </a:xfrm>
           <a:prstGeom prst="roundRect">
             <a:avLst/>
@@ -3885,7 +3885,7 @@
         </p:nvSpPr>
         <p:spPr>
           <a:xfrm>
-            <a:off x="2592528" y="3649359"/>
+            <a:off x="2592528" y="2353959"/>
             <a:ext cx="1093635" cy="236841"/>
           </a:xfrm>
           <a:prstGeom prst="rect">
@@ -3925,7 +3925,7 @@
                   </a:schemeClr>
                 </a:solidFill>
               </a:rPr>
-              <a:t>BrowserPanel</a:t>
+              <a:t>DetailsPanel</a:t>
             </a:r>
             <a:endParaRPr lang="en-SG" sz="1050" b="1" dirty="0">
               <a:solidFill>
@@ -3945,7 +3945,7 @@
         </p:nvSpPr>
         <p:spPr>
           <a:xfrm>
-            <a:off x="2592527" y="4563759"/>
+            <a:off x="2600772" y="5565443"/>
             <a:ext cx="1093635" cy="236841"/>
           </a:xfrm>
           <a:prstGeom prst="rect">
@@ -4005,7 +4005,7 @@
         </p:nvSpPr>
         <p:spPr>
           <a:xfrm>
-            <a:off x="2592526" y="3991960"/>
+            <a:off x="2590799" y="3905061"/>
             <a:ext cx="1093635" cy="236841"/>
           </a:xfrm>
           <a:prstGeom prst="rect">
@@ -4045,7 +4045,7 @@
                   </a:schemeClr>
                 </a:solidFill>
               </a:rPr>
-              <a:t>PersonListPanel</a:t>
+              <a:t>SideTabPanel</a:t>
             </a:r>
             <a:endParaRPr lang="en-SG" sz="1050" b="1" dirty="0">
               <a:solidFill>
@@ -4065,7 +4065,7 @@
         </p:nvSpPr>
         <p:spPr>
           <a:xfrm>
-            <a:off x="3839323" y="4228801"/>
+            <a:off x="5404559" y="4482046"/>
             <a:ext cx="1040906" cy="236841"/>
           </a:xfrm>
           <a:prstGeom prst="rect">
@@ -4105,7 +4105,7 @@
                   </a:schemeClr>
                 </a:solidFill>
               </a:rPr>
-              <a:t>PersonCard</a:t>
+              <a:t>EmployeeCard</a:t>
             </a:r>
             <a:endParaRPr lang="en-SG" sz="1050" b="1" dirty="0">
               <a:solidFill>
@@ -4125,7 +4125,7 @@
         </p:nvSpPr>
         <p:spPr>
           <a:xfrm>
-            <a:off x="2592528" y="4966000"/>
+            <a:off x="2600244" y="6117166"/>
             <a:ext cx="1093635" cy="236841"/>
           </a:xfrm>
           <a:prstGeom prst="rect">
@@ -4185,7 +4185,7 @@
         </p:nvSpPr>
         <p:spPr>
           <a:xfrm>
-            <a:off x="2324548" y="2706452"/>
+            <a:off x="2324548" y="1411052"/>
             <a:ext cx="183156" cy="161573"/>
           </a:xfrm>
           <a:prstGeom prst="flowChartDecision">
@@ -4236,7 +4236,7 @@
         </p:nvCxnSpPr>
         <p:spPr>
           <a:xfrm rot="16200000" flipH="1">
-            <a:off x="2393229" y="2890922"/>
+            <a:off x="2393229" y="1595522"/>
             <a:ext cx="222196" cy="176402"/>
           </a:xfrm>
           <a:prstGeom prst="bentConnector2">
@@ -4274,7 +4274,7 @@
         </p:nvSpPr>
         <p:spPr>
           <a:xfrm>
-            <a:off x="2590799" y="3304308"/>
+            <a:off x="2590799" y="2008908"/>
             <a:ext cx="1095361" cy="236841"/>
           </a:xfrm>
           <a:prstGeom prst="rect">
@@ -4337,7 +4337,7 @@
         </p:nvCxnSpPr>
         <p:spPr>
           <a:xfrm rot="16200000" flipH="1">
-            <a:off x="2054450" y="3229701"/>
+            <a:off x="2054450" y="1934301"/>
             <a:ext cx="899755" cy="176402"/>
           </a:xfrm>
           <a:prstGeom prst="bentConnector2">
@@ -4371,15 +4371,15 @@
         <p:nvCxnSpPr>
           <p:cNvPr id="47" name="Elbow Connector 63"/>
           <p:cNvCxnSpPr>
-            <a:stCxn id="39" idx="2"/>
+            <a:cxnSpLocks/>
             <a:endCxn id="36" idx="1"/>
           </p:cNvCxnSpPr>
           <p:nvPr/>
         </p:nvCxnSpPr>
         <p:spPr>
           <a:xfrm rot="16200000" flipH="1">
-            <a:off x="1883148" y="3401003"/>
-            <a:ext cx="1242356" cy="176400"/>
+            <a:off x="1382514" y="2815197"/>
+            <a:ext cx="2240170" cy="176400"/>
           </a:xfrm>
           <a:prstGeom prst="bentConnector2">
             <a:avLst/>
@@ -4419,8 +4419,8 @@
         </p:nvCxnSpPr>
         <p:spPr>
           <a:xfrm rot="16200000" flipH="1">
-            <a:off x="1597249" y="3686901"/>
-            <a:ext cx="1814155" cy="176401"/>
+            <a:off x="452830" y="3535921"/>
+            <a:ext cx="4111239" cy="184646"/>
           </a:xfrm>
           <a:prstGeom prst="bentConnector2">
             <a:avLst/>
@@ -4453,17 +4453,19 @@
         <p:nvCxnSpPr>
           <p:cNvPr id="53" name="Elbow Connector 63"/>
           <p:cNvCxnSpPr>
-            <a:endCxn id="38" idx="1"/>
+            <a:cxnSpLocks/>
           </p:cNvCxnSpPr>
           <p:nvPr/>
         </p:nvCxnSpPr>
         <p:spPr>
           <a:xfrm rot="16200000" flipH="1">
-            <a:off x="1184119" y="3676012"/>
-            <a:ext cx="2396440" cy="420377"/>
-          </a:xfrm>
-          <a:prstGeom prst="bentConnector2">
-            <a:avLst/>
+            <a:off x="-13706" y="3613411"/>
+            <a:ext cx="4833712" cy="428996"/>
+          </a:xfrm>
+          <a:prstGeom prst="bentConnector3">
+            <a:avLst>
+              <a:gd name="adj1" fmla="val 99932"/>
+            </a:avLst>
           </a:prstGeom>
           <a:ln w="19050">
             <a:solidFill>
@@ -4497,7 +4499,7 @@
         </p:nvSpPr>
         <p:spPr>
           <a:xfrm>
-            <a:off x="5143948" y="1770924"/>
+            <a:off x="6619357" y="475524"/>
             <a:ext cx="772043" cy="346760"/>
           </a:xfrm>
           <a:prstGeom prst="rect">
@@ -4579,8 +4581,8 @@
         </p:nvCxnSpPr>
         <p:spPr>
           <a:xfrm flipV="1">
-            <a:off x="3686160" y="2286000"/>
-            <a:ext cx="1843809" cy="1136729"/>
+            <a:off x="3686160" y="990600"/>
+            <a:ext cx="3319218" cy="1136729"/>
           </a:xfrm>
           <a:prstGeom prst="bentConnector2">
             <a:avLst/>
@@ -4613,15 +4615,15 @@
         <p:nvCxnSpPr>
           <p:cNvPr id="77" name="Elbow Connector 63"/>
           <p:cNvCxnSpPr>
-            <a:stCxn id="16" idx="3"/>
+            <a:cxnSpLocks/>
             <a:endCxn id="37" idx="3"/>
           </p:cNvCxnSpPr>
           <p:nvPr/>
         </p:nvCxnSpPr>
         <p:spPr>
           <a:xfrm rot="5400000">
-            <a:off x="4174488" y="2991741"/>
-            <a:ext cx="2061222" cy="649740"/>
+            <a:off x="5544978" y="3151420"/>
+            <a:ext cx="2349534" cy="548560"/>
           </a:xfrm>
           <a:prstGeom prst="bentConnector2">
             <a:avLst/>
@@ -4661,8 +4663,8 @@
         </p:nvCxnSpPr>
         <p:spPr>
           <a:xfrm rot="5400000">
-            <a:off x="3867176" y="2104987"/>
-            <a:ext cx="1481780" cy="1843806"/>
+            <a:off x="4604881" y="71883"/>
+            <a:ext cx="1481780" cy="3319215"/>
           </a:xfrm>
           <a:prstGeom prst="bentConnector2">
             <a:avLst/>
@@ -4702,8 +4704,8 @@
         </p:nvCxnSpPr>
         <p:spPr>
           <a:xfrm flipV="1">
-            <a:off x="3189583" y="2286000"/>
-            <a:ext cx="2340386" cy="228600"/>
+            <a:off x="3189583" y="990600"/>
+            <a:ext cx="3815795" cy="228600"/>
           </a:xfrm>
           <a:prstGeom prst="bentConnector2">
             <a:avLst/>
@@ -4736,15 +4738,14 @@
         <p:nvCxnSpPr>
           <p:cNvPr id="91" name="Elbow Connector 63"/>
           <p:cNvCxnSpPr>
-            <a:stCxn id="16" idx="3"/>
-            <a:endCxn id="35" idx="3"/>
+            <a:cxnSpLocks/>
           </p:cNvCxnSpPr>
           <p:nvPr/>
         </p:nvCxnSpPr>
         <p:spPr>
           <a:xfrm rot="5400000">
-            <a:off x="3409976" y="2562187"/>
-            <a:ext cx="2396180" cy="1843807"/>
+            <a:off x="3051318" y="1728599"/>
+            <a:ext cx="4601685" cy="3317107"/>
           </a:xfrm>
           <a:prstGeom prst="bentConnector2">
             <a:avLst/>
@@ -4784,8 +4785,8 @@
         </p:nvCxnSpPr>
         <p:spPr>
           <a:xfrm rot="5400000">
-            <a:off x="3208856" y="2763307"/>
-            <a:ext cx="2798421" cy="1843806"/>
+            <a:off x="2727136" y="1957344"/>
+            <a:ext cx="5244987" cy="3311499"/>
           </a:xfrm>
           <a:prstGeom prst="bentConnector2">
             <a:avLst/>
@@ -4818,14 +4819,15 @@
         <p:nvCxnSpPr>
           <p:cNvPr id="107" name="Elbow Connector 106"/>
           <p:cNvCxnSpPr>
+            <a:cxnSpLocks/>
             <a:stCxn id="9" idx="0"/>
           </p:cNvCxnSpPr>
           <p:nvPr/>
         </p:nvCxnSpPr>
         <p:spPr>
           <a:xfrm rot="5400000" flipH="1" flipV="1">
-            <a:off x="4594921" y="-355061"/>
-            <a:ext cx="170724" cy="4081246"/>
+            <a:off x="5080912" y="-2101908"/>
+            <a:ext cx="136180" cy="5018685"/>
           </a:xfrm>
           <a:prstGeom prst="bentConnector2">
             <a:avLst/>
@@ -4863,8 +4865,8 @@
         </p:nvSpPr>
         <p:spPr>
           <a:xfrm rot="16200000">
-            <a:off x="6213739" y="4560376"/>
-            <a:ext cx="1371599" cy="328045"/>
+            <a:off x="6027565" y="4261378"/>
+            <a:ext cx="3597806" cy="283925"/>
           </a:xfrm>
           <a:prstGeom prst="roundRect">
             <a:avLst/>
@@ -4923,7 +4925,7 @@
         </p:nvSpPr>
         <p:spPr>
           <a:xfrm rot="16200000">
-            <a:off x="956202" y="2861202"/>
+            <a:off x="956202" y="1565802"/>
             <a:ext cx="1093635" cy="346760"/>
           </a:xfrm>
           <a:prstGeom prst="rect">
@@ -4993,7 +4995,7 @@
         </p:nvSpPr>
         <p:spPr>
           <a:xfrm flipV="1">
-            <a:off x="1367767" y="2286001"/>
+            <a:off x="1367767" y="990601"/>
             <a:ext cx="270504" cy="175523"/>
           </a:xfrm>
           <a:prstGeom prst="triangle">
@@ -5044,7 +5046,7 @@
         </p:nvCxnSpPr>
         <p:spPr>
           <a:xfrm rot="10800000" flipV="1">
-            <a:off x="1503020" y="1944303"/>
+            <a:off x="1503020" y="648903"/>
             <a:ext cx="589823" cy="341697"/>
           </a:xfrm>
           <a:prstGeom prst="bentConnector2">
@@ -5086,7 +5088,7 @@
         </p:nvCxnSpPr>
         <p:spPr>
           <a:xfrm rot="16200000" flipH="1">
-            <a:off x="2226110" y="3058040"/>
+            <a:off x="2226110" y="1762640"/>
             <a:ext cx="554704" cy="174673"/>
           </a:xfrm>
           <a:prstGeom prst="bentConnector2">
@@ -5127,8 +5129,8 @@
         </p:nvCxnSpPr>
         <p:spPr>
           <a:xfrm rot="5400000">
-            <a:off x="4205956" y="1766207"/>
-            <a:ext cx="804221" cy="1843806"/>
+            <a:off x="4943661" y="-266897"/>
+            <a:ext cx="804221" cy="3319215"/>
           </a:xfrm>
           <a:prstGeom prst="bentConnector2">
             <a:avLst/>
@@ -5161,15 +5163,14 @@
         <p:nvCxnSpPr>
           <p:cNvPr id="137" name="Elbow Connector 136"/>
           <p:cNvCxnSpPr>
-            <a:stCxn id="36" idx="2"/>
-            <a:endCxn id="37" idx="1"/>
+            <a:cxnSpLocks/>
           </p:cNvCxnSpPr>
           <p:nvPr/>
         </p:nvCxnSpPr>
         <p:spPr>
           <a:xfrm rot="16200000" flipH="1">
-            <a:off x="3430123" y="3938021"/>
-            <a:ext cx="118421" cy="699979"/>
+            <a:off x="3358862" y="3935281"/>
+            <a:ext cx="168316" cy="581559"/>
           </a:xfrm>
           <a:prstGeom prst="bentConnector2">
             <a:avLst/>
@@ -5202,15 +5203,15 @@
         <p:nvCxnSpPr>
           <p:cNvPr id="140" name="Elbow Connector 63"/>
           <p:cNvCxnSpPr>
-            <a:stCxn id="16" idx="3"/>
+            <a:cxnSpLocks/>
             <a:endCxn id="36" idx="3"/>
           </p:cNvCxnSpPr>
           <p:nvPr/>
         </p:nvCxnSpPr>
         <p:spPr>
           <a:xfrm rot="5400000">
-            <a:off x="3695875" y="2276286"/>
-            <a:ext cx="1824381" cy="1843808"/>
+            <a:off x="3932946" y="952776"/>
+            <a:ext cx="2822195" cy="3319217"/>
           </a:xfrm>
           <a:prstGeom prst="bentConnector2">
             <a:avLst/>
@@ -5247,7 +5248,7 @@
         </p:nvSpPr>
         <p:spPr>
           <a:xfrm>
-            <a:off x="5422048" y="2339335"/>
+            <a:off x="6897457" y="1043935"/>
             <a:ext cx="229325" cy="166560"/>
           </a:xfrm>
           <a:prstGeom prst="rect">
@@ -5300,8 +5301,8 @@
         </p:nvSpPr>
         <p:spPr>
           <a:xfrm>
-            <a:off x="3186477" y="2405681"/>
-            <a:ext cx="3537529" cy="45719"/>
+            <a:off x="3186477" y="1110281"/>
+            <a:ext cx="4471868" cy="48636"/>
           </a:xfrm>
           <a:custGeom>
             <a:avLst/>
@@ -5376,46 +5377,125 @@
       </p:sp>
       <p:sp>
         <p:nvSpPr>
-          <p:cNvPr id="144" name="Rectangle 143"/>
+          <p:cNvPr id="118" name="Freeform 117"/>
           <p:cNvSpPr/>
           <p:nvPr/>
         </p:nvSpPr>
         <p:spPr>
+          <a:xfrm flipV="1">
+            <a:off x="5825132" y="4737838"/>
+            <a:ext cx="1867456" cy="45719"/>
+          </a:xfrm>
+          <a:custGeom>
+            <a:avLst/>
+            <a:gdLst>
+              <a:gd name="connsiteX0" fmla="*/ 0 w 3048000"/>
+              <a:gd name="connsiteY0" fmla="*/ 203200 h 203200"/>
+              <a:gd name="connsiteX1" fmla="*/ 221673 w 3048000"/>
+              <a:gd name="connsiteY1" fmla="*/ 0 h 203200"/>
+              <a:gd name="connsiteX2" fmla="*/ 3048000 w 3048000"/>
+              <a:gd name="connsiteY2" fmla="*/ 0 h 203200"/>
+            </a:gdLst>
+            <a:ahLst/>
+            <a:cxnLst>
+              <a:cxn ang="0">
+                <a:pos x="connsiteX0" y="connsiteY0"/>
+              </a:cxn>
+              <a:cxn ang="0">
+                <a:pos x="connsiteX1" y="connsiteY1"/>
+              </a:cxn>
+              <a:cxn ang="0">
+                <a:pos x="connsiteX2" y="connsiteY2"/>
+              </a:cxn>
+            </a:cxnLst>
+            <a:rect l="l" t="t" r="r" b="b"/>
+            <a:pathLst>
+              <a:path w="3048000" h="203200">
+                <a:moveTo>
+                  <a:pt x="0" y="203200"/>
+                </a:moveTo>
+                <a:lnTo>
+                  <a:pt x="221673" y="0"/>
+                </a:lnTo>
+                <a:lnTo>
+                  <a:pt x="3048000" y="0"/>
+                </a:lnTo>
+              </a:path>
+            </a:pathLst>
+          </a:custGeom>
+          <a:noFill/>
+          <a:ln w="19050">
+            <a:solidFill>
+              <a:schemeClr val="accent3"/>
+            </a:solidFill>
+            <a:prstDash val="sysDot"/>
+            <a:headEnd type="none" w="med" len="med"/>
+            <a:tailEnd type="arrow" w="med" len="med"/>
+          </a:ln>
+          <a:effectLst/>
+        </p:spPr>
+        <p:style>
+          <a:lnRef idx="1">
+            <a:schemeClr val="accent2"/>
+          </a:lnRef>
+          <a:fillRef idx="2">
+            <a:schemeClr val="accent2"/>
+          </a:fillRef>
+          <a:effectRef idx="1">
+            <a:schemeClr val="accent2"/>
+          </a:effectRef>
+          <a:fontRef idx="minor">
+            <a:schemeClr val="dk1"/>
+          </a:fontRef>
+        </p:style>
+        <p:txBody>
+          <a:bodyPr rtlCol="0" anchor="ctr"/>
+          <a:lstStyle/>
+          <a:p>
+            <a:pPr algn="ctr"/>
+            <a:endParaRPr lang="en-SG"/>
+          </a:p>
+        </p:txBody>
+      </p:sp>
+      <p:sp>
+        <p:nvSpPr>
+          <p:cNvPr id="83" name="Rectangle 11">
+            <a:extLst>
+              <a:ext uri="{FF2B5EF4-FFF2-40B4-BE49-F238E27FC236}">
+                <a16:creationId xmlns:a16="http://schemas.microsoft.com/office/drawing/2014/main" id="{1F8B7004-97A3-4ACE-96A1-9B2F76C7EBE0}"/>
+              </a:ext>
+            </a:extLst>
+          </p:cNvPr>
+          <p:cNvSpPr/>
+          <p:nvPr/>
+        </p:nvSpPr>
+        <p:spPr>
           <a:xfrm>
-            <a:off x="5431573" y="4488138"/>
-            <a:ext cx="229325" cy="160062"/>
+            <a:off x="3691787" y="4175506"/>
+            <a:ext cx="1253318" cy="236841"/>
           </a:xfrm>
           <a:prstGeom prst="rect">
             <a:avLst/>
           </a:prstGeom>
-          <a:solidFill>
-            <a:schemeClr val="accent3">
-              <a:lumMod val="20000"/>
-              <a:lumOff val="80000"/>
-              <a:alpha val="80000"/>
-            </a:schemeClr>
-          </a:solidFill>
-          <a:ln>
-            <a:noFill/>
+          <a:ln w="19050">
+            <a:solidFill>
+              <a:schemeClr val="accent3"/>
+            </a:solidFill>
           </a:ln>
-          <a:effectLst>
-            <a:softEdge rad="31750"/>
-          </a:effectLst>
+          <a:effectLst/>
         </p:spPr>
         <p:style>
-          <a:lnRef idx="2">
-            <a:schemeClr val="accent1">
-              <a:shade val="50000"/>
-            </a:schemeClr>
+          <a:lnRef idx="1">
+            <a:schemeClr val="accent3"/>
           </a:lnRef>
-          <a:fillRef idx="1">
-            <a:schemeClr val="accent1"/>
+          <a:fillRef idx="2">
+            <a:schemeClr val="accent3"/>
           </a:fillRef>
-          <a:effectRef idx="0">
-            <a:schemeClr val="accent1"/>
+          <a:effectRef idx="1">
+            <a:schemeClr val="accent3"/>
           </a:effectRef>
           <a:fontRef idx="minor">
-            <a:schemeClr val="lt1"/>
+            <a:schemeClr val="dk1"/>
           </a:fontRef>
         </p:style>
         <p:txBody>
@@ -5423,20 +5503,867 @@
           <a:lstStyle/>
           <a:p>
             <a:pPr algn="ctr"/>
-            <a:endParaRPr lang="en-SG"/>
-          </a:p>
-        </p:txBody>
-      </p:sp>
-      <p:sp>
-        <p:nvSpPr>
-          <p:cNvPr id="118" name="Freeform 117"/>
+            <a:r>
+              <a:rPr lang="en-US" sz="1050" b="1" dirty="0" err="1">
+                <a:solidFill>
+                  <a:schemeClr val="accent3">
+                    <a:lumMod val="75000"/>
+                  </a:schemeClr>
+                </a:solidFill>
+              </a:rPr>
+              <a:t>EmployeeListPanel</a:t>
+            </a:r>
+            <a:endParaRPr lang="en-SG" sz="1050" b="1" dirty="0">
+              <a:solidFill>
+                <a:schemeClr val="accent3">
+                  <a:lumMod val="75000"/>
+                </a:schemeClr>
+              </a:solidFill>
+            </a:endParaRPr>
+          </a:p>
+        </p:txBody>
+      </p:sp>
+      <p:cxnSp>
+        <p:nvCxnSpPr>
+          <p:cNvPr id="92" name="Elbow Connector 63">
+            <a:extLst>
+              <a:ext uri="{FF2B5EF4-FFF2-40B4-BE49-F238E27FC236}">
+                <a16:creationId xmlns:a16="http://schemas.microsoft.com/office/drawing/2014/main" id="{76E9F760-5FD4-4DAD-951C-37918E34A66C}"/>
+              </a:ext>
+            </a:extLst>
+          </p:cNvPr>
+          <p:cNvCxnSpPr>
+            <a:cxnSpLocks/>
+            <a:stCxn id="83" idx="2"/>
+          </p:cNvCxnSpPr>
+          <p:nvPr/>
+        </p:nvCxnSpPr>
+        <p:spPr>
+          <a:xfrm rot="16200000" flipH="1">
+            <a:off x="4767636" y="3963156"/>
+            <a:ext cx="177320" cy="1075701"/>
+          </a:xfrm>
+          <a:prstGeom prst="bentConnector2">
+            <a:avLst/>
+          </a:prstGeom>
+          <a:ln w="19050">
+            <a:solidFill>
+              <a:schemeClr val="accent3"/>
+            </a:solidFill>
+            <a:headEnd type="none" w="med" len="med"/>
+            <a:tailEnd type="arrow" w="med" len="med"/>
+          </a:ln>
+          <a:effectLst/>
+        </p:spPr>
+        <p:style>
+          <a:lnRef idx="1">
+            <a:schemeClr val="accent2"/>
+          </a:lnRef>
+          <a:fillRef idx="2">
+            <a:schemeClr val="accent2"/>
+          </a:fillRef>
+          <a:effectRef idx="1">
+            <a:schemeClr val="accent2"/>
+          </a:effectRef>
+          <a:fontRef idx="minor">
+            <a:schemeClr val="dk1"/>
+          </a:fontRef>
+        </p:style>
+      </p:cxnSp>
+      <p:cxnSp>
+        <p:nvCxnSpPr>
+          <p:cNvPr id="98" name="Elbow Connector 136">
+            <a:extLst>
+              <a:ext uri="{FF2B5EF4-FFF2-40B4-BE49-F238E27FC236}">
+                <a16:creationId xmlns:a16="http://schemas.microsoft.com/office/drawing/2014/main" id="{8413308A-90DA-4C43-8403-B49F4AA4541C}"/>
+              </a:ext>
+            </a:extLst>
+          </p:cNvPr>
+          <p:cNvCxnSpPr>
+            <a:cxnSpLocks/>
+          </p:cNvCxnSpPr>
+          <p:nvPr/>
+        </p:nvCxnSpPr>
+        <p:spPr>
+          <a:xfrm rot="16200000" flipH="1">
+            <a:off x="3093235" y="4178865"/>
+            <a:ext cx="733044" cy="644282"/>
+          </a:xfrm>
+          <a:prstGeom prst="bentConnector3">
+            <a:avLst>
+              <a:gd name="adj1" fmla="val 100766"/>
+            </a:avLst>
+          </a:prstGeom>
+          <a:ln w="19050">
+            <a:solidFill>
+              <a:schemeClr val="accent3"/>
+            </a:solidFill>
+            <a:headEnd type="none" w="med" len="med"/>
+            <a:tailEnd type="arrow" w="med" len="med"/>
+          </a:ln>
+          <a:effectLst/>
+        </p:spPr>
+        <p:style>
+          <a:lnRef idx="1">
+            <a:schemeClr val="accent2"/>
+          </a:lnRef>
+          <a:fillRef idx="2">
+            <a:schemeClr val="accent2"/>
+          </a:fillRef>
+          <a:effectRef idx="1">
+            <a:schemeClr val="accent2"/>
+          </a:effectRef>
+          <a:fontRef idx="minor">
+            <a:schemeClr val="dk1"/>
+          </a:fontRef>
+        </p:style>
+      </p:cxnSp>
+      <p:sp>
+        <p:nvSpPr>
+          <p:cNvPr id="101" name="Rectangle 11">
+            <a:extLst>
+              <a:ext uri="{FF2B5EF4-FFF2-40B4-BE49-F238E27FC236}">
+                <a16:creationId xmlns:a16="http://schemas.microsoft.com/office/drawing/2014/main" id="{CEFBF258-7024-4A18-A80F-D17C45218283}"/>
+              </a:ext>
+            </a:extLst>
+          </p:cNvPr>
           <p:cNvSpPr/>
           <p:nvPr/>
         </p:nvSpPr>
         <p:spPr>
+          <a:xfrm>
+            <a:off x="3759671" y="4761008"/>
+            <a:ext cx="1253318" cy="236841"/>
+          </a:xfrm>
+          <a:prstGeom prst="rect">
+            <a:avLst/>
+          </a:prstGeom>
+          <a:ln w="19050">
+            <a:solidFill>
+              <a:schemeClr val="accent3"/>
+            </a:solidFill>
+          </a:ln>
+          <a:effectLst/>
+        </p:spPr>
+        <p:style>
+          <a:lnRef idx="1">
+            <a:schemeClr val="accent3"/>
+          </a:lnRef>
+          <a:fillRef idx="2">
+            <a:schemeClr val="accent3"/>
+          </a:fillRef>
+          <a:effectRef idx="1">
+            <a:schemeClr val="accent3"/>
+          </a:effectRef>
+          <a:fontRef idx="minor">
+            <a:schemeClr val="dk1"/>
+          </a:fontRef>
+        </p:style>
+        <p:txBody>
+          <a:bodyPr rtlCol="0" anchor="ctr"/>
+          <a:lstStyle/>
+          <a:p>
+            <a:pPr algn="ctr"/>
+            <a:r>
+              <a:rPr lang="en-US" sz="1050" b="1" dirty="0" err="1">
+                <a:solidFill>
+                  <a:schemeClr val="accent3">
+                    <a:lumMod val="75000"/>
+                  </a:schemeClr>
+                </a:solidFill>
+              </a:rPr>
+              <a:t>ProjectListPanel</a:t>
+            </a:r>
+            <a:endParaRPr lang="en-SG" sz="1050" b="1" dirty="0">
+              <a:solidFill>
+                <a:schemeClr val="accent3">
+                  <a:lumMod val="75000"/>
+                </a:schemeClr>
+              </a:solidFill>
+            </a:endParaRPr>
+          </a:p>
+        </p:txBody>
+      </p:sp>
+      <p:cxnSp>
+        <p:nvCxnSpPr>
+          <p:cNvPr id="109" name="Elbow Connector 63">
+            <a:extLst>
+              <a:ext uri="{FF2B5EF4-FFF2-40B4-BE49-F238E27FC236}">
+                <a16:creationId xmlns:a16="http://schemas.microsoft.com/office/drawing/2014/main" id="{F1622F50-8023-43FB-9471-F1F02694E1D9}"/>
+              </a:ext>
+            </a:extLst>
+          </p:cNvPr>
+          <p:cNvCxnSpPr>
+            <a:cxnSpLocks/>
+            <a:stCxn id="101" idx="2"/>
+            <a:endCxn id="110" idx="1"/>
+          </p:cNvCxnSpPr>
+          <p:nvPr/>
+        </p:nvCxnSpPr>
+        <p:spPr>
+          <a:xfrm rot="16200000" flipH="1">
+            <a:off x="4772462" y="4611716"/>
+            <a:ext cx="240935" cy="1013199"/>
+          </a:xfrm>
+          <a:prstGeom prst="bentConnector2">
+            <a:avLst/>
+          </a:prstGeom>
+          <a:ln w="19050">
+            <a:solidFill>
+              <a:schemeClr val="accent3"/>
+            </a:solidFill>
+            <a:headEnd type="none" w="med" len="med"/>
+            <a:tailEnd type="arrow" w="med" len="med"/>
+          </a:ln>
+          <a:effectLst/>
+        </p:spPr>
+        <p:style>
+          <a:lnRef idx="1">
+            <a:schemeClr val="accent2"/>
+          </a:lnRef>
+          <a:fillRef idx="2">
+            <a:schemeClr val="accent2"/>
+          </a:fillRef>
+          <a:effectRef idx="1">
+            <a:schemeClr val="accent2"/>
+          </a:effectRef>
+          <a:fontRef idx="minor">
+            <a:schemeClr val="dk1"/>
+          </a:fontRef>
+        </p:style>
+      </p:cxnSp>
+      <p:sp>
+        <p:nvSpPr>
+          <p:cNvPr id="110" name="Rectangle 11">
+            <a:extLst>
+              <a:ext uri="{FF2B5EF4-FFF2-40B4-BE49-F238E27FC236}">
+                <a16:creationId xmlns:a16="http://schemas.microsoft.com/office/drawing/2014/main" id="{0D6941AC-8BC4-425A-A265-E77027F963FB}"/>
+              </a:ext>
+            </a:extLst>
+          </p:cNvPr>
+          <p:cNvSpPr/>
+          <p:nvPr/>
+        </p:nvSpPr>
+        <p:spPr>
+          <a:xfrm>
+            <a:off x="5399529" y="5120363"/>
+            <a:ext cx="1040906" cy="236841"/>
+          </a:xfrm>
+          <a:prstGeom prst="rect">
+            <a:avLst/>
+          </a:prstGeom>
+          <a:ln w="19050">
+            <a:solidFill>
+              <a:schemeClr val="accent3"/>
+            </a:solidFill>
+          </a:ln>
+          <a:effectLst/>
+        </p:spPr>
+        <p:style>
+          <a:lnRef idx="1">
+            <a:schemeClr val="accent3"/>
+          </a:lnRef>
+          <a:fillRef idx="2">
+            <a:schemeClr val="accent3"/>
+          </a:fillRef>
+          <a:effectRef idx="1">
+            <a:schemeClr val="accent3"/>
+          </a:effectRef>
+          <a:fontRef idx="minor">
+            <a:schemeClr val="dk1"/>
+          </a:fontRef>
+        </p:style>
+        <p:txBody>
+          <a:bodyPr rtlCol="0" anchor="ctr"/>
+          <a:lstStyle/>
+          <a:p>
+            <a:pPr algn="ctr"/>
+            <a:r>
+              <a:rPr lang="en-US" sz="1050" b="1" dirty="0" err="1">
+                <a:solidFill>
+                  <a:schemeClr val="accent3">
+                    <a:lumMod val="75000"/>
+                  </a:schemeClr>
+                </a:solidFill>
+              </a:rPr>
+              <a:t>ProjectCard</a:t>
+            </a:r>
+            <a:endParaRPr lang="en-SG" sz="1050" b="1" dirty="0">
+              <a:solidFill>
+                <a:schemeClr val="accent3">
+                  <a:lumMod val="75000"/>
+                </a:schemeClr>
+              </a:solidFill>
+            </a:endParaRPr>
+          </a:p>
+        </p:txBody>
+      </p:sp>
+      <p:sp>
+        <p:nvSpPr>
+          <p:cNvPr id="113" name="Freeform 117">
+            <a:extLst>
+              <a:ext uri="{FF2B5EF4-FFF2-40B4-BE49-F238E27FC236}">
+                <a16:creationId xmlns:a16="http://schemas.microsoft.com/office/drawing/2014/main" id="{A1835E26-0E1F-4999-9D65-C3D67FBB1CB1}"/>
+              </a:ext>
+            </a:extLst>
+          </p:cNvPr>
+          <p:cNvSpPr/>
+          <p:nvPr/>
+        </p:nvSpPr>
+        <p:spPr>
           <a:xfrm flipV="1">
-            <a:off x="4114799" y="4472708"/>
-            <a:ext cx="2642195" cy="101600"/>
+            <a:off x="5912464" y="5367165"/>
+            <a:ext cx="1772041" cy="79869"/>
+          </a:xfrm>
+          <a:custGeom>
+            <a:avLst/>
+            <a:gdLst>
+              <a:gd name="connsiteX0" fmla="*/ 0 w 3048000"/>
+              <a:gd name="connsiteY0" fmla="*/ 203200 h 203200"/>
+              <a:gd name="connsiteX1" fmla="*/ 221673 w 3048000"/>
+              <a:gd name="connsiteY1" fmla="*/ 0 h 203200"/>
+              <a:gd name="connsiteX2" fmla="*/ 3048000 w 3048000"/>
+              <a:gd name="connsiteY2" fmla="*/ 0 h 203200"/>
+            </a:gdLst>
+            <a:ahLst/>
+            <a:cxnLst>
+              <a:cxn ang="0">
+                <a:pos x="connsiteX0" y="connsiteY0"/>
+              </a:cxn>
+              <a:cxn ang="0">
+                <a:pos x="connsiteX1" y="connsiteY1"/>
+              </a:cxn>
+              <a:cxn ang="0">
+                <a:pos x="connsiteX2" y="connsiteY2"/>
+              </a:cxn>
+            </a:cxnLst>
+            <a:rect l="l" t="t" r="r" b="b"/>
+            <a:pathLst>
+              <a:path w="3048000" h="203200">
+                <a:moveTo>
+                  <a:pt x="0" y="203200"/>
+                </a:moveTo>
+                <a:lnTo>
+                  <a:pt x="221673" y="0"/>
+                </a:lnTo>
+                <a:lnTo>
+                  <a:pt x="3048000" y="0"/>
+                </a:lnTo>
+              </a:path>
+            </a:pathLst>
+          </a:custGeom>
+          <a:noFill/>
+          <a:ln w="19050">
+            <a:solidFill>
+              <a:schemeClr val="accent3"/>
+            </a:solidFill>
+            <a:prstDash val="sysDot"/>
+            <a:headEnd type="none" w="med" len="med"/>
+            <a:tailEnd type="arrow" w="med" len="med"/>
+          </a:ln>
+          <a:effectLst/>
+        </p:spPr>
+        <p:style>
+          <a:lnRef idx="1">
+            <a:schemeClr val="accent2"/>
+          </a:lnRef>
+          <a:fillRef idx="2">
+            <a:schemeClr val="accent2"/>
+          </a:fillRef>
+          <a:effectRef idx="1">
+            <a:schemeClr val="accent2"/>
+          </a:effectRef>
+          <a:fontRef idx="minor">
+            <a:schemeClr val="dk1"/>
+          </a:fontRef>
+        </p:style>
+        <p:txBody>
+          <a:bodyPr rtlCol="0" anchor="ctr"/>
+          <a:lstStyle/>
+          <a:p>
+            <a:pPr algn="ctr"/>
+            <a:endParaRPr lang="en-SG"/>
+          </a:p>
+        </p:txBody>
+      </p:sp>
+      <p:cxnSp>
+        <p:nvCxnSpPr>
+          <p:cNvPr id="122" name="Elbow Connector 63">
+            <a:extLst>
+              <a:ext uri="{FF2B5EF4-FFF2-40B4-BE49-F238E27FC236}">
+                <a16:creationId xmlns:a16="http://schemas.microsoft.com/office/drawing/2014/main" id="{70E5474C-8F17-48C0-941A-6F396CAEB0FF}"/>
+              </a:ext>
+            </a:extLst>
+          </p:cNvPr>
+          <p:cNvCxnSpPr>
+            <a:cxnSpLocks/>
+            <a:stCxn id="143" idx="2"/>
+            <a:endCxn id="110" idx="3"/>
+          </p:cNvCxnSpPr>
+          <p:nvPr/>
+        </p:nvCxnSpPr>
+        <p:spPr>
+          <a:xfrm rot="5400000">
+            <a:off x="4712134" y="2938797"/>
+            <a:ext cx="4028289" cy="571685"/>
+          </a:xfrm>
+          <a:prstGeom prst="bentConnector2">
+            <a:avLst/>
+          </a:prstGeom>
+          <a:ln w="6350">
+            <a:solidFill>
+              <a:schemeClr val="accent3"/>
+            </a:solidFill>
+            <a:headEnd type="none" w="med" len="med"/>
+            <a:tailEnd type="none" w="med" len="med"/>
+          </a:ln>
+          <a:effectLst/>
+        </p:spPr>
+        <p:style>
+          <a:lnRef idx="1">
+            <a:schemeClr val="accent2"/>
+          </a:lnRef>
+          <a:fillRef idx="2">
+            <a:schemeClr val="accent2"/>
+          </a:fillRef>
+          <a:effectRef idx="1">
+            <a:schemeClr val="accent2"/>
+          </a:effectRef>
+          <a:fontRef idx="minor">
+            <a:schemeClr val="dk1"/>
+          </a:fontRef>
+        </p:style>
+      </p:cxnSp>
+      <p:cxnSp>
+        <p:nvCxnSpPr>
+          <p:cNvPr id="123" name="Elbow Connector 136">
+            <a:extLst>
+              <a:ext uri="{FF2B5EF4-FFF2-40B4-BE49-F238E27FC236}">
+                <a16:creationId xmlns:a16="http://schemas.microsoft.com/office/drawing/2014/main" id="{EBC80590-3389-436E-AD7F-635E61B1EA22}"/>
+              </a:ext>
+            </a:extLst>
+          </p:cNvPr>
+          <p:cNvCxnSpPr>
+            <a:cxnSpLocks/>
+            <a:endCxn id="125" idx="1"/>
+          </p:cNvCxnSpPr>
+          <p:nvPr/>
+        </p:nvCxnSpPr>
+        <p:spPr>
+          <a:xfrm>
+            <a:off x="3076040" y="2590801"/>
+            <a:ext cx="1068897" cy="166962"/>
+          </a:xfrm>
+          <a:prstGeom prst="bentConnector3">
+            <a:avLst>
+              <a:gd name="adj1" fmla="val 1259"/>
+            </a:avLst>
+          </a:prstGeom>
+          <a:ln w="19050">
+            <a:solidFill>
+              <a:schemeClr val="accent3"/>
+            </a:solidFill>
+            <a:headEnd type="none" w="med" len="med"/>
+            <a:tailEnd type="arrow" w="med" len="med"/>
+          </a:ln>
+          <a:effectLst/>
+        </p:spPr>
+        <p:style>
+          <a:lnRef idx="1">
+            <a:schemeClr val="accent2"/>
+          </a:lnRef>
+          <a:fillRef idx="2">
+            <a:schemeClr val="accent2"/>
+          </a:fillRef>
+          <a:effectRef idx="1">
+            <a:schemeClr val="accent2"/>
+          </a:effectRef>
+          <a:fontRef idx="minor">
+            <a:schemeClr val="dk1"/>
+          </a:fontRef>
+        </p:style>
+      </p:cxnSp>
+      <p:sp>
+        <p:nvSpPr>
+          <p:cNvPr id="125" name="Rectangle 11">
+            <a:extLst>
+              <a:ext uri="{FF2B5EF4-FFF2-40B4-BE49-F238E27FC236}">
+                <a16:creationId xmlns:a16="http://schemas.microsoft.com/office/drawing/2014/main" id="{692F2D50-BE5B-4711-BC74-9BF94F538C43}"/>
+              </a:ext>
+            </a:extLst>
+          </p:cNvPr>
+          <p:cNvSpPr/>
+          <p:nvPr/>
+        </p:nvSpPr>
+        <p:spPr>
+          <a:xfrm>
+            <a:off x="4144937" y="2639342"/>
+            <a:ext cx="1388789" cy="236841"/>
+          </a:xfrm>
+          <a:prstGeom prst="rect">
+            <a:avLst/>
+          </a:prstGeom>
+          <a:ln w="19050">
+            <a:solidFill>
+              <a:schemeClr val="accent3"/>
+            </a:solidFill>
+          </a:ln>
+          <a:effectLst/>
+        </p:spPr>
+        <p:style>
+          <a:lnRef idx="1">
+            <a:schemeClr val="accent3"/>
+          </a:lnRef>
+          <a:fillRef idx="2">
+            <a:schemeClr val="accent3"/>
+          </a:fillRef>
+          <a:effectRef idx="1">
+            <a:schemeClr val="accent3"/>
+          </a:effectRef>
+          <a:fontRef idx="minor">
+            <a:schemeClr val="dk1"/>
+          </a:fontRef>
+        </p:style>
+        <p:txBody>
+          <a:bodyPr rtlCol="0" anchor="ctr"/>
+          <a:lstStyle/>
+          <a:p>
+            <a:pPr algn="ctr"/>
+            <a:r>
+              <a:rPr lang="en-US" sz="1050" b="1" dirty="0" err="1">
+                <a:solidFill>
+                  <a:schemeClr val="accent3">
+                    <a:lumMod val="75000"/>
+                  </a:schemeClr>
+                </a:solidFill>
+              </a:rPr>
+              <a:t>EmployeeDetails</a:t>
+            </a:r>
+            <a:endParaRPr lang="en-SG" sz="1050" b="1" dirty="0">
+              <a:solidFill>
+                <a:schemeClr val="accent3">
+                  <a:lumMod val="75000"/>
+                </a:schemeClr>
+              </a:solidFill>
+            </a:endParaRPr>
+          </a:p>
+        </p:txBody>
+      </p:sp>
+      <p:sp>
+        <p:nvSpPr>
+          <p:cNvPr id="126" name="Rectangle 11">
+            <a:extLst>
+              <a:ext uri="{FF2B5EF4-FFF2-40B4-BE49-F238E27FC236}">
+                <a16:creationId xmlns:a16="http://schemas.microsoft.com/office/drawing/2014/main" id="{CE73B58C-B4EE-4522-83B4-B904EC35F476}"/>
+              </a:ext>
+            </a:extLst>
+          </p:cNvPr>
+          <p:cNvSpPr/>
+          <p:nvPr/>
+        </p:nvSpPr>
+        <p:spPr>
+          <a:xfrm>
+            <a:off x="4147781" y="3153276"/>
+            <a:ext cx="1388789" cy="236841"/>
+          </a:xfrm>
+          <a:prstGeom prst="rect">
+            <a:avLst/>
+          </a:prstGeom>
+          <a:ln w="19050">
+            <a:solidFill>
+              <a:schemeClr val="accent3"/>
+            </a:solidFill>
+          </a:ln>
+          <a:effectLst/>
+        </p:spPr>
+        <p:style>
+          <a:lnRef idx="1">
+            <a:schemeClr val="accent3"/>
+          </a:lnRef>
+          <a:fillRef idx="2">
+            <a:schemeClr val="accent3"/>
+          </a:fillRef>
+          <a:effectRef idx="1">
+            <a:schemeClr val="accent3"/>
+          </a:effectRef>
+          <a:fontRef idx="minor">
+            <a:schemeClr val="dk1"/>
+          </a:fontRef>
+        </p:style>
+        <p:txBody>
+          <a:bodyPr rtlCol="0" anchor="ctr"/>
+          <a:lstStyle/>
+          <a:p>
+            <a:pPr algn="ctr"/>
+            <a:r>
+              <a:rPr lang="en-US" sz="1050" b="1" dirty="0" err="1">
+                <a:solidFill>
+                  <a:schemeClr val="accent3">
+                    <a:lumMod val="75000"/>
+                  </a:schemeClr>
+                </a:solidFill>
+              </a:rPr>
+              <a:t>ProjectDetails</a:t>
+            </a:r>
+            <a:endParaRPr lang="en-SG" sz="1050" b="1" dirty="0">
+              <a:solidFill>
+                <a:schemeClr val="accent3">
+                  <a:lumMod val="75000"/>
+                </a:schemeClr>
+              </a:solidFill>
+            </a:endParaRPr>
+          </a:p>
+        </p:txBody>
+      </p:sp>
+      <p:cxnSp>
+        <p:nvCxnSpPr>
+          <p:cNvPr id="127" name="Elbow Connector 136">
+            <a:extLst>
+              <a:ext uri="{FF2B5EF4-FFF2-40B4-BE49-F238E27FC236}">
+                <a16:creationId xmlns:a16="http://schemas.microsoft.com/office/drawing/2014/main" id="{47818B70-7925-4313-B442-908BAECD0968}"/>
+              </a:ext>
+            </a:extLst>
+          </p:cNvPr>
+          <p:cNvCxnSpPr>
+            <a:cxnSpLocks/>
+            <a:endCxn id="126" idx="1"/>
+          </p:cNvCxnSpPr>
+          <p:nvPr/>
+        </p:nvCxnSpPr>
+        <p:spPr>
+          <a:xfrm>
+            <a:off x="3081722" y="2708890"/>
+            <a:ext cx="1066059" cy="562807"/>
+          </a:xfrm>
+          <a:prstGeom prst="bentConnector3">
+            <a:avLst>
+              <a:gd name="adj1" fmla="val 132"/>
+            </a:avLst>
+          </a:prstGeom>
+          <a:ln w="19050">
+            <a:solidFill>
+              <a:schemeClr val="accent3"/>
+            </a:solidFill>
+            <a:headEnd type="none" w="med" len="med"/>
+            <a:tailEnd type="arrow" w="med" len="med"/>
+          </a:ln>
+          <a:effectLst/>
+        </p:spPr>
+        <p:style>
+          <a:lnRef idx="1">
+            <a:schemeClr val="accent2"/>
+          </a:lnRef>
+          <a:fillRef idx="2">
+            <a:schemeClr val="accent2"/>
+          </a:fillRef>
+          <a:effectRef idx="1">
+            <a:schemeClr val="accent2"/>
+          </a:effectRef>
+          <a:fontRef idx="minor">
+            <a:schemeClr val="dk1"/>
+          </a:fontRef>
+        </p:style>
+      </p:cxnSp>
+      <p:cxnSp>
+        <p:nvCxnSpPr>
+          <p:cNvPr id="166" name="Elbow Connector 63">
+            <a:extLst>
+              <a:ext uri="{FF2B5EF4-FFF2-40B4-BE49-F238E27FC236}">
+                <a16:creationId xmlns:a16="http://schemas.microsoft.com/office/drawing/2014/main" id="{83AC0AF9-1B04-4688-B6A6-6E58F011C280}"/>
+              </a:ext>
+            </a:extLst>
+          </p:cNvPr>
+          <p:cNvCxnSpPr>
+            <a:cxnSpLocks/>
+            <a:stCxn id="143" idx="2"/>
+            <a:endCxn id="83" idx="3"/>
+          </p:cNvCxnSpPr>
+          <p:nvPr/>
+        </p:nvCxnSpPr>
+        <p:spPr>
+          <a:xfrm rot="5400000">
+            <a:off x="4436897" y="1718704"/>
+            <a:ext cx="3083432" cy="2067015"/>
+          </a:xfrm>
+          <a:prstGeom prst="bentConnector2">
+            <a:avLst/>
+          </a:prstGeom>
+          <a:ln w="6350">
+            <a:solidFill>
+              <a:schemeClr val="accent3"/>
+            </a:solidFill>
+            <a:headEnd type="none" w="med" len="med"/>
+            <a:tailEnd type="none" w="med" len="med"/>
+          </a:ln>
+          <a:effectLst/>
+        </p:spPr>
+        <p:style>
+          <a:lnRef idx="1">
+            <a:schemeClr val="accent2"/>
+          </a:lnRef>
+          <a:fillRef idx="2">
+            <a:schemeClr val="accent2"/>
+          </a:fillRef>
+          <a:effectRef idx="1">
+            <a:schemeClr val="accent2"/>
+          </a:effectRef>
+          <a:fontRef idx="minor">
+            <a:schemeClr val="dk1"/>
+          </a:fontRef>
+        </p:style>
+      </p:cxnSp>
+      <p:cxnSp>
+        <p:nvCxnSpPr>
+          <p:cNvPr id="178" name="Elbow Connector 63">
+            <a:extLst>
+              <a:ext uri="{FF2B5EF4-FFF2-40B4-BE49-F238E27FC236}">
+                <a16:creationId xmlns:a16="http://schemas.microsoft.com/office/drawing/2014/main" id="{D1F14ECE-D8F1-4A78-A4E9-CCD56E2E6EBA}"/>
+              </a:ext>
+            </a:extLst>
+          </p:cNvPr>
+          <p:cNvCxnSpPr>
+            <a:cxnSpLocks/>
+            <a:stCxn id="143" idx="2"/>
+            <a:endCxn id="101" idx="3"/>
+          </p:cNvCxnSpPr>
+          <p:nvPr/>
+        </p:nvCxnSpPr>
+        <p:spPr>
+          <a:xfrm rot="5400000">
+            <a:off x="4178088" y="2045397"/>
+            <a:ext cx="3668934" cy="1999131"/>
+          </a:xfrm>
+          <a:prstGeom prst="bentConnector2">
+            <a:avLst/>
+          </a:prstGeom>
+          <a:ln w="6350">
+            <a:solidFill>
+              <a:schemeClr val="accent3"/>
+            </a:solidFill>
+            <a:headEnd type="none" w="med" len="med"/>
+            <a:tailEnd type="none" w="med" len="med"/>
+          </a:ln>
+          <a:effectLst/>
+        </p:spPr>
+        <p:style>
+          <a:lnRef idx="1">
+            <a:schemeClr val="accent2"/>
+          </a:lnRef>
+          <a:fillRef idx="2">
+            <a:schemeClr val="accent2"/>
+          </a:fillRef>
+          <a:effectRef idx="1">
+            <a:schemeClr val="accent2"/>
+          </a:effectRef>
+          <a:fontRef idx="minor">
+            <a:schemeClr val="dk1"/>
+          </a:fontRef>
+        </p:style>
+      </p:cxnSp>
+      <p:sp>
+        <p:nvSpPr>
+          <p:cNvPr id="181" name="Freeform 117">
+            <a:extLst>
+              <a:ext uri="{FF2B5EF4-FFF2-40B4-BE49-F238E27FC236}">
+                <a16:creationId xmlns:a16="http://schemas.microsoft.com/office/drawing/2014/main" id="{A9988EBF-224C-4976-A56F-605408B82441}"/>
+              </a:ext>
+            </a:extLst>
+          </p:cNvPr>
+          <p:cNvSpPr/>
+          <p:nvPr/>
+        </p:nvSpPr>
+        <p:spPr>
+          <a:xfrm flipV="1">
+            <a:off x="4745209" y="2912216"/>
+            <a:ext cx="2939296" cy="143772"/>
+          </a:xfrm>
+          <a:custGeom>
+            <a:avLst/>
+            <a:gdLst>
+              <a:gd name="connsiteX0" fmla="*/ 0 w 3048000"/>
+              <a:gd name="connsiteY0" fmla="*/ 203200 h 203200"/>
+              <a:gd name="connsiteX1" fmla="*/ 221673 w 3048000"/>
+              <a:gd name="connsiteY1" fmla="*/ 0 h 203200"/>
+              <a:gd name="connsiteX2" fmla="*/ 3048000 w 3048000"/>
+              <a:gd name="connsiteY2" fmla="*/ 0 h 203200"/>
+            </a:gdLst>
+            <a:ahLst/>
+            <a:cxnLst>
+              <a:cxn ang="0">
+                <a:pos x="connsiteX0" y="connsiteY0"/>
+              </a:cxn>
+              <a:cxn ang="0">
+                <a:pos x="connsiteX1" y="connsiteY1"/>
+              </a:cxn>
+              <a:cxn ang="0">
+                <a:pos x="connsiteX2" y="connsiteY2"/>
+              </a:cxn>
+            </a:cxnLst>
+            <a:rect l="l" t="t" r="r" b="b"/>
+            <a:pathLst>
+              <a:path w="3048000" h="203200">
+                <a:moveTo>
+                  <a:pt x="0" y="203200"/>
+                </a:moveTo>
+                <a:lnTo>
+                  <a:pt x="221673" y="0"/>
+                </a:lnTo>
+                <a:lnTo>
+                  <a:pt x="3048000" y="0"/>
+                </a:lnTo>
+              </a:path>
+            </a:pathLst>
+          </a:custGeom>
+          <a:noFill/>
+          <a:ln w="19050">
+            <a:solidFill>
+              <a:schemeClr val="accent3"/>
+            </a:solidFill>
+            <a:prstDash val="sysDot"/>
+            <a:headEnd type="none" w="med" len="med"/>
+            <a:tailEnd type="arrow" w="med" len="med"/>
+          </a:ln>
+          <a:effectLst/>
+        </p:spPr>
+        <p:style>
+          <a:lnRef idx="1">
+            <a:schemeClr val="accent2"/>
+          </a:lnRef>
+          <a:fillRef idx="2">
+            <a:schemeClr val="accent2"/>
+          </a:fillRef>
+          <a:effectRef idx="1">
+            <a:schemeClr val="accent2"/>
+          </a:effectRef>
+          <a:fontRef idx="minor">
+            <a:schemeClr val="dk1"/>
+          </a:fontRef>
+        </p:style>
+        <p:txBody>
+          <a:bodyPr rtlCol="0" anchor="ctr"/>
+          <a:lstStyle/>
+          <a:p>
+            <a:pPr algn="ctr"/>
+            <a:endParaRPr lang="en-SG"/>
+          </a:p>
+        </p:txBody>
+      </p:sp>
+      <p:sp>
+        <p:nvSpPr>
+          <p:cNvPr id="189" name="Freeform 117">
+            <a:extLst>
+              <a:ext uri="{FF2B5EF4-FFF2-40B4-BE49-F238E27FC236}">
+                <a16:creationId xmlns:a16="http://schemas.microsoft.com/office/drawing/2014/main" id="{082A3FDF-6C0F-4EAE-8939-1AEF0765C4BD}"/>
+              </a:ext>
+            </a:extLst>
+          </p:cNvPr>
+          <p:cNvSpPr/>
+          <p:nvPr/>
+        </p:nvSpPr>
+        <p:spPr>
+          <a:xfrm flipV="1">
+            <a:off x="4750652" y="3414661"/>
+            <a:ext cx="2939296" cy="143772"/>
           </a:xfrm>
           <a:custGeom>
             <a:avLst/>
